--- a/Report.pptx
+++ b/Report.pptx
@@ -268,7 +268,7 @@
           <a:p>
             <a:fld id="{1D8BD707-D9CF-40AE-B4C6-C98DA3205C09}" type="datetimeFigureOut">
               <a:rPr lang="en-US"/>
-              <a:t>1/15/2023</a:t>
+              <a:t>1/16/2023</a:t>
             </a:fld>
             <a:endParaRPr lang="en-US"/>
           </a:p>
@@ -454,7 +454,7 @@
           <a:p>
             <a:fld id="{1D8BD707-D9CF-40AE-B4C6-C98DA3205C09}" type="datetimeFigureOut">
               <a:rPr lang="en-US"/>
-              <a:t>1/15/2023</a:t>
+              <a:t>1/16/2023</a:t>
             </a:fld>
             <a:endParaRPr lang="en-US"/>
           </a:p>
@@ -683,7 +683,7 @@
           <a:p>
             <a:fld id="{1D8BD707-D9CF-40AE-B4C6-C98DA3205C09}" type="datetimeFigureOut">
               <a:rPr lang="en-US"/>
-              <a:t>1/15/2023</a:t>
+              <a:t>1/16/2023</a:t>
             </a:fld>
             <a:endParaRPr lang="en-US"/>
           </a:p>
@@ -840,7 +840,7 @@
           <a:p>
             <a:fld id="{1D8BD707-D9CF-40AE-B4C6-C98DA3205C09}" type="datetimeFigureOut">
               <a:rPr lang="en-US"/>
-              <a:t>1/15/2023</a:t>
+              <a:t>1/16/2023</a:t>
             </a:fld>
             <a:endParaRPr lang="en-US"/>
           </a:p>
@@ -998,7 +998,7 @@
           <a:p>
             <a:fld id="{1D8BD707-D9CF-40AE-B4C6-C98DA3205C09}" type="datetimeFigureOut">
               <a:rPr lang="en-US"/>
-              <a:t>1/15/2023</a:t>
+              <a:t>1/16/2023</a:t>
             </a:fld>
             <a:endParaRPr lang="en-US"/>
           </a:p>
@@ -1304,7 +1304,7 @@
           <a:p>
             <a:fld id="{1D8BD707-D9CF-40AE-B4C6-C98DA3205C09}" type="datetimeFigureOut">
               <a:rPr lang="en-US"/>
-              <a:t>1/15/2023</a:t>
+              <a:t>1/16/2023</a:t>
             </a:fld>
             <a:endParaRPr lang="en-US"/>
           </a:p>
@@ -11172,7 +11172,7 @@
         </p:blipFill>
         <p:spPr>
           <a:xfrm>
-            <a:off x="157162" y="1752600"/>
+            <a:off x="157162" y="1828800"/>
             <a:ext cx="11877675" cy="4572000"/>
           </a:xfrm>
           <a:prstGeom prst="rect">
@@ -11180,6 +11180,200 @@
           </a:prstGeom>
         </p:spPr>
       </p:pic>
+      <p:sp>
+        <p:nvSpPr>
+          <p:cNvPr id="2" name="object 5">
+            <a:extLst>
+              <a:ext uri="{FF2B5EF4-FFF2-40B4-BE49-F238E27FC236}">
+                <a16:creationId xmlns:a16="http://schemas.microsoft.com/office/drawing/2014/main" id="{D6768D26-7315-DF7B-5A77-54333C0980B0}"/>
+              </a:ext>
+            </a:extLst>
+          </p:cNvPr>
+          <p:cNvSpPr txBox="1">
+            <a:spLocks/>
+          </p:cNvSpPr>
+          <p:nvPr/>
+        </p:nvSpPr>
+        <p:spPr>
+          <a:xfrm>
+            <a:off x="1981200" y="849251"/>
+            <a:ext cx="10805160" cy="833562"/>
+          </a:xfrm>
+          <a:prstGeom prst="rect">
+            <a:avLst/>
+          </a:prstGeom>
+        </p:spPr>
+        <p:txBody>
+          <a:bodyPr vert="horz" wrap="square" lIns="0" tIns="12700" rIns="0" bIns="0" rtlCol="0">
+            <a:spAutoFit/>
+          </a:bodyPr>
+          <a:lstStyle>
+            <a:lvl1pPr>
+              <a:defRPr sz="5400" b="1" i="0">
+                <a:solidFill>
+                  <a:schemeClr val="bg1"/>
+                </a:solidFill>
+                <a:latin typeface="Trebuchet MS"/>
+                <a:ea typeface="+mj-ea"/>
+                <a:cs typeface="Trebuchet MS"/>
+              </a:defRPr>
+            </a:lvl1pPr>
+          </a:lstStyle>
+          <a:p>
+            <a:pPr marL="12700" algn="l" rtl="0">
+              <a:lnSpc>
+                <a:spcPts val="6375"/>
+              </a:lnSpc>
+              <a:spcBef>
+                <a:spcPts val="100"/>
+              </a:spcBef>
+            </a:pPr>
+            <a:endParaRPr lang="he-IL" u="heavy" kern="0" spc="-330" dirty="0">
+              <a:uFill>
+                <a:solidFill>
+                  <a:srgbClr val="01CEAF"/>
+                </a:solidFill>
+              </a:uFill>
+              <a:latin typeface="Garamond" panose="02020404030301010803" pitchFamily="18" charset="0"/>
+            </a:endParaRPr>
+          </a:p>
+        </p:txBody>
+      </p:sp>
+      <p:sp>
+        <p:nvSpPr>
+          <p:cNvPr id="5" name="object 5">
+            <a:extLst>
+              <a:ext uri="{FF2B5EF4-FFF2-40B4-BE49-F238E27FC236}">
+                <a16:creationId xmlns:a16="http://schemas.microsoft.com/office/drawing/2014/main" id="{1091080F-28EA-0797-B1BE-9ECBE702BBA7}"/>
+              </a:ext>
+            </a:extLst>
+          </p:cNvPr>
+          <p:cNvSpPr txBox="1">
+            <a:spLocks/>
+          </p:cNvSpPr>
+          <p:nvPr/>
+        </p:nvSpPr>
+        <p:spPr>
+          <a:xfrm>
+            <a:off x="7848600" y="872512"/>
+            <a:ext cx="3048001" cy="1912575"/>
+          </a:xfrm>
+          <a:prstGeom prst="rect">
+            <a:avLst/>
+          </a:prstGeom>
+          <a:solidFill>
+            <a:schemeClr val="accent3">
+              <a:lumMod val="40000"/>
+              <a:lumOff val="60000"/>
+            </a:schemeClr>
+          </a:solidFill>
+          <a:ln w="38100">
+            <a:solidFill>
+              <a:srgbClr val="01CEAF"/>
+            </a:solidFill>
+          </a:ln>
+        </p:spPr>
+        <p:txBody>
+          <a:bodyPr vert="horz" wrap="square" lIns="0" tIns="12700" rIns="0" bIns="0" rtlCol="0">
+            <a:spAutoFit/>
+          </a:bodyPr>
+          <a:lstStyle>
+            <a:lvl1pPr>
+              <a:defRPr sz="5400" b="1" i="0">
+                <a:solidFill>
+                  <a:schemeClr val="bg1"/>
+                </a:solidFill>
+                <a:latin typeface="Trebuchet MS"/>
+                <a:ea typeface="+mj-ea"/>
+                <a:cs typeface="Trebuchet MS"/>
+              </a:defRPr>
+            </a:lvl1pPr>
+          </a:lstStyle>
+          <a:p>
+            <a:pPr marL="12700" algn="l" rtl="0">
+              <a:lnSpc>
+                <a:spcPct val="150000"/>
+              </a:lnSpc>
+              <a:spcBef>
+                <a:spcPts val="100"/>
+              </a:spcBef>
+            </a:pPr>
+            <a:r>
+              <a:rPr lang="en-US" sz="2800" u="heavy" kern="0" spc="-330" dirty="0">
+                <a:solidFill>
+                  <a:schemeClr val="tx1"/>
+                </a:solidFill>
+                <a:uFill>
+                  <a:solidFill>
+                    <a:srgbClr val="01CEAF"/>
+                  </a:solidFill>
+                </a:uFill>
+                <a:latin typeface="Garamond" panose="02020404030301010803" pitchFamily="18" charset="0"/>
+              </a:rPr>
+              <a:t>Average M.A.P@40:  0.585</a:t>
+            </a:r>
+          </a:p>
+          <a:p>
+            <a:pPr marL="12700" algn="l" rtl="0">
+              <a:lnSpc>
+                <a:spcPct val="150000"/>
+              </a:lnSpc>
+              <a:spcBef>
+                <a:spcPts val="100"/>
+              </a:spcBef>
+            </a:pPr>
+            <a:r>
+              <a:rPr lang="en-US" sz="2800" u="heavy" kern="0" spc="-330" dirty="0">
+                <a:solidFill>
+                  <a:schemeClr val="tx1"/>
+                </a:solidFill>
+                <a:uFill>
+                  <a:solidFill>
+                    <a:srgbClr val="01CEAF"/>
+                  </a:solidFill>
+                </a:uFill>
+                <a:latin typeface="Garamond" panose="02020404030301010803" pitchFamily="18" charset="0"/>
+              </a:rPr>
+              <a:t>Entity / Event – Top 5</a:t>
+            </a:r>
+          </a:p>
+          <a:p>
+            <a:pPr marL="12700" algn="l" rtl="0">
+              <a:lnSpc>
+                <a:spcPct val="150000"/>
+              </a:lnSpc>
+              <a:spcBef>
+                <a:spcPts val="100"/>
+              </a:spcBef>
+            </a:pPr>
+            <a:r>
+              <a:rPr lang="en-US" sz="2800" u="heavy" kern="0" spc="-330" dirty="0">
+                <a:solidFill>
+                  <a:schemeClr val="tx1"/>
+                </a:solidFill>
+                <a:uFill>
+                  <a:solidFill>
+                    <a:srgbClr val="01CEAF"/>
+                  </a:solidFill>
+                </a:uFill>
+                <a:latin typeface="Garamond" panose="02020404030301010803" pitchFamily="18" charset="0"/>
+              </a:rPr>
+              <a:t>Explanation – Top 10</a:t>
+            </a:r>
+            <a:endParaRPr lang="he-IL" sz="2800" u="heavy" kern="0" spc="-330" dirty="0">
+              <a:solidFill>
+                <a:schemeClr val="tx1"/>
+              </a:solidFill>
+              <a:uFill>
+                <a:solidFill>
+                  <a:srgbClr val="01CEAF"/>
+                </a:solidFill>
+              </a:uFill>
+              <a:latin typeface="Garamond" panose="02020404030301010803" pitchFamily="18" charset="0"/>
+            </a:endParaRPr>
+          </a:p>
+        </p:txBody>
+      </p:sp>
     </p:spTree>
   </p:cSld>
   <p:clrMapOvr>
@@ -11450,7 +11644,7 @@
         </p:blipFill>
         <p:spPr>
           <a:xfrm>
-            <a:off x="152400" y="1657350"/>
+            <a:off x="152400" y="1724686"/>
             <a:ext cx="11887200" cy="4752314"/>
           </a:xfrm>
           <a:prstGeom prst="rect">
@@ -11458,6 +11652,141 @@
           </a:prstGeom>
         </p:spPr>
       </p:pic>
+      <p:sp>
+        <p:nvSpPr>
+          <p:cNvPr id="5" name="object 5">
+            <a:extLst>
+              <a:ext uri="{FF2B5EF4-FFF2-40B4-BE49-F238E27FC236}">
+                <a16:creationId xmlns:a16="http://schemas.microsoft.com/office/drawing/2014/main" id="{07297293-B325-B676-E54A-C9497BAE1791}"/>
+              </a:ext>
+            </a:extLst>
+          </p:cNvPr>
+          <p:cNvSpPr txBox="1">
+            <a:spLocks/>
+          </p:cNvSpPr>
+          <p:nvPr/>
+        </p:nvSpPr>
+        <p:spPr>
+          <a:xfrm>
+            <a:off x="7772400" y="983025"/>
+            <a:ext cx="3048001" cy="1912575"/>
+          </a:xfrm>
+          <a:prstGeom prst="rect">
+            <a:avLst/>
+          </a:prstGeom>
+          <a:solidFill>
+            <a:schemeClr val="accent3">
+              <a:lumMod val="40000"/>
+              <a:lumOff val="60000"/>
+            </a:schemeClr>
+          </a:solidFill>
+          <a:ln w="38100">
+            <a:solidFill>
+              <a:srgbClr val="01CEAF"/>
+            </a:solidFill>
+          </a:ln>
+        </p:spPr>
+        <p:txBody>
+          <a:bodyPr vert="horz" wrap="square" lIns="0" tIns="12700" rIns="0" bIns="0" rtlCol="0">
+            <a:spAutoFit/>
+          </a:bodyPr>
+          <a:lstStyle>
+            <a:lvl1pPr>
+              <a:defRPr sz="5400" b="1" i="0">
+                <a:solidFill>
+                  <a:schemeClr val="bg1"/>
+                </a:solidFill>
+                <a:latin typeface="Trebuchet MS"/>
+                <a:ea typeface="+mj-ea"/>
+                <a:cs typeface="Trebuchet MS"/>
+              </a:defRPr>
+            </a:lvl1pPr>
+          </a:lstStyle>
+          <a:p>
+            <a:pPr marL="12700" algn="l" rtl="0">
+              <a:lnSpc>
+                <a:spcPct val="150000"/>
+              </a:lnSpc>
+              <a:spcBef>
+                <a:spcPts val="100"/>
+              </a:spcBef>
+            </a:pPr>
+            <a:r>
+              <a:rPr lang="en-US" sz="2800" u="heavy" kern="0" spc="-330" dirty="0">
+                <a:solidFill>
+                  <a:schemeClr val="tx1"/>
+                </a:solidFill>
+                <a:uFill>
+                  <a:solidFill>
+                    <a:srgbClr val="01CEAF"/>
+                  </a:solidFill>
+                </a:uFill>
+                <a:latin typeface="Garamond" panose="02020404030301010803" pitchFamily="18" charset="0"/>
+              </a:rPr>
+              <a:t>Average M.A.P@40:  0.585</a:t>
+            </a:r>
+          </a:p>
+          <a:p>
+            <a:pPr marL="12700" algn="l" rtl="0">
+              <a:lnSpc>
+                <a:spcPct val="150000"/>
+              </a:lnSpc>
+              <a:spcBef>
+                <a:spcPts val="100"/>
+              </a:spcBef>
+            </a:pPr>
+            <a:r>
+              <a:rPr lang="en-US" sz="2800" u="heavy" kern="0" spc="-330" dirty="0">
+                <a:solidFill>
+                  <a:schemeClr val="tx1"/>
+                </a:solidFill>
+                <a:uFill>
+                  <a:solidFill>
+                    <a:srgbClr val="01CEAF"/>
+                  </a:solidFill>
+                </a:uFill>
+                <a:latin typeface="Garamond" panose="02020404030301010803" pitchFamily="18" charset="0"/>
+              </a:rPr>
+              <a:t>Entity / Event – Top 5</a:t>
+            </a:r>
+          </a:p>
+          <a:p>
+            <a:pPr marL="12700" algn="l" rtl="0">
+              <a:lnSpc>
+                <a:spcPct val="150000"/>
+              </a:lnSpc>
+              <a:spcBef>
+                <a:spcPts val="100"/>
+              </a:spcBef>
+            </a:pPr>
+            <a:r>
+              <a:rPr lang="en-US" sz="2800" u="heavy" kern="0" spc="-330" dirty="0">
+                <a:solidFill>
+                  <a:schemeClr val="tx1"/>
+                </a:solidFill>
+                <a:uFill>
+                  <a:solidFill>
+                    <a:srgbClr val="01CEAF"/>
+                  </a:solidFill>
+                </a:uFill>
+                <a:latin typeface="Garamond" panose="02020404030301010803" pitchFamily="18" charset="0"/>
+              </a:rPr>
+              <a:t>Explanation – Top 10</a:t>
+            </a:r>
+            <a:endParaRPr lang="he-IL" sz="2800" u="heavy" kern="0" spc="-330" dirty="0">
+              <a:solidFill>
+                <a:schemeClr val="tx1"/>
+              </a:solidFill>
+              <a:uFill>
+                <a:solidFill>
+                  <a:srgbClr val="01CEAF"/>
+                </a:solidFill>
+              </a:uFill>
+              <a:latin typeface="Garamond" panose="02020404030301010803" pitchFamily="18" charset="0"/>
+            </a:endParaRPr>
+          </a:p>
+        </p:txBody>
+      </p:sp>
     </p:spTree>
     <p:extLst>
       <p:ext uri="{BB962C8B-B14F-4D97-AF65-F5344CB8AC3E}">
